--- a/1. Front-end/4. AJAX cơ bản với JS/Ajax.pptx
+++ b/1. Front-end/4. AJAX cơ bản với JS/Ajax.pptx
@@ -304,7 +304,7 @@
             <a:fld id="{1D8BD707-D9CF-40AE-B4C6-C98DA3205C09}" type="datetimeFigureOut">
               <a:rPr lang="en-US" smtClean="0"/>
               <a:pPr/>
-              <a:t>5/17/2018</a:t>
+              <a:t>7/4/2018</a:t>
             </a:fld>
             <a:endParaRPr lang="en-US"/>
           </a:p>
@@ -471,7 +471,7 @@
             <a:fld id="{1D8BD707-D9CF-40AE-B4C6-C98DA3205C09}" type="datetimeFigureOut">
               <a:rPr lang="en-US" smtClean="0"/>
               <a:pPr/>
-              <a:t>5/17/2018</a:t>
+              <a:t>7/4/2018</a:t>
             </a:fld>
             <a:endParaRPr lang="en-US"/>
           </a:p>
@@ -648,7 +648,7 @@
             <a:fld id="{1D8BD707-D9CF-40AE-B4C6-C98DA3205C09}" type="datetimeFigureOut">
               <a:rPr lang="en-US" smtClean="0"/>
               <a:pPr/>
-              <a:t>5/17/2018</a:t>
+              <a:t>7/4/2018</a:t>
             </a:fld>
             <a:endParaRPr lang="en-US"/>
           </a:p>
@@ -815,7 +815,7 @@
             <a:fld id="{1D8BD707-D9CF-40AE-B4C6-C98DA3205C09}" type="datetimeFigureOut">
               <a:rPr lang="en-US" smtClean="0"/>
               <a:pPr/>
-              <a:t>5/17/2018</a:t>
+              <a:t>7/4/2018</a:t>
             </a:fld>
             <a:endParaRPr lang="en-US"/>
           </a:p>
@@ -1058,7 +1058,7 @@
             <a:fld id="{1D8BD707-D9CF-40AE-B4C6-C98DA3205C09}" type="datetimeFigureOut">
               <a:rPr lang="en-US" smtClean="0"/>
               <a:pPr/>
-              <a:t>5/17/2018</a:t>
+              <a:t>7/4/2018</a:t>
             </a:fld>
             <a:endParaRPr lang="en-US"/>
           </a:p>
@@ -1343,7 +1343,7 @@
             <a:fld id="{1D8BD707-D9CF-40AE-B4C6-C98DA3205C09}" type="datetimeFigureOut">
               <a:rPr lang="en-US" smtClean="0"/>
               <a:pPr/>
-              <a:t>5/17/2018</a:t>
+              <a:t>7/4/2018</a:t>
             </a:fld>
             <a:endParaRPr lang="en-US"/>
           </a:p>
@@ -1762,7 +1762,7 @@
             <a:fld id="{1D8BD707-D9CF-40AE-B4C6-C98DA3205C09}" type="datetimeFigureOut">
               <a:rPr lang="en-US" smtClean="0"/>
               <a:pPr/>
-              <a:t>5/17/2018</a:t>
+              <a:t>7/4/2018</a:t>
             </a:fld>
             <a:endParaRPr lang="en-US"/>
           </a:p>
@@ -1877,7 +1877,7 @@
             <a:fld id="{1D8BD707-D9CF-40AE-B4C6-C98DA3205C09}" type="datetimeFigureOut">
               <a:rPr lang="en-US" smtClean="0"/>
               <a:pPr/>
-              <a:t>5/17/2018</a:t>
+              <a:t>7/4/2018</a:t>
             </a:fld>
             <a:endParaRPr lang="en-US"/>
           </a:p>
@@ -1969,7 +1969,7 @@
             <a:fld id="{1D8BD707-D9CF-40AE-B4C6-C98DA3205C09}" type="datetimeFigureOut">
               <a:rPr lang="en-US" smtClean="0"/>
               <a:pPr/>
-              <a:t>5/17/2018</a:t>
+              <a:t>7/4/2018</a:t>
             </a:fld>
             <a:endParaRPr lang="en-US"/>
           </a:p>
@@ -2243,7 +2243,7 @@
             <a:fld id="{1D8BD707-D9CF-40AE-B4C6-C98DA3205C09}" type="datetimeFigureOut">
               <a:rPr lang="en-US" smtClean="0"/>
               <a:pPr/>
-              <a:t>5/17/2018</a:t>
+              <a:t>7/4/2018</a:t>
             </a:fld>
             <a:endParaRPr lang="en-US"/>
           </a:p>
@@ -2493,7 +2493,7 @@
             <a:fld id="{1D8BD707-D9CF-40AE-B4C6-C98DA3205C09}" type="datetimeFigureOut">
               <a:rPr lang="en-US" smtClean="0"/>
               <a:pPr/>
-              <a:t>5/17/2018</a:t>
+              <a:t>7/4/2018</a:t>
             </a:fld>
             <a:endParaRPr lang="en-US"/>
           </a:p>
@@ -2703,7 +2703,7 @@
             <a:fld id="{1D8BD707-D9CF-40AE-B4C6-C98DA3205C09}" type="datetimeFigureOut">
               <a:rPr lang="en-US" smtClean="0"/>
               <a:pPr/>
-              <a:t>5/17/2018</a:t>
+              <a:t>7/4/2018</a:t>
             </a:fld>
             <a:endParaRPr lang="en-US"/>
           </a:p>
@@ -3180,6 +3180,13 @@
   <p:clrMapOvr>
     <a:masterClrMapping/>
   </p:clrMapOvr>
+  <p:timing>
+    <p:tnLst>
+      <p:par>
+        <p:cTn id="1" dur="indefinite" restart="never" nodeType="tmRoot"/>
+      </p:par>
+    </p:tnLst>
+  </p:timing>
 </p:sld>
 </file>
 
@@ -3256,31 +3263,51 @@
           <a:p>
             <a:r>
               <a:rPr lang="en-GB" dirty="0" err="1" smtClean="0"/>
-              <a:t>Dữ</a:t>
-            </a:r>
-            <a:r>
-              <a:rPr lang="en-GB" dirty="0" smtClean="0"/>
-              <a:t> </a:t>
-            </a:r>
-            <a:r>
-              <a:rPr lang="en-GB" dirty="0" err="1" smtClean="0"/>
-              <a:t>liệu</a:t>
-            </a:r>
-            <a:r>
-              <a:rPr lang="en-GB" dirty="0" smtClean="0"/>
-              <a:t> </a:t>
-            </a:r>
-            <a:r>
-              <a:rPr lang="en-GB" dirty="0" err="1" smtClean="0"/>
-              <a:t>là</a:t>
-            </a:r>
-            <a:r>
-              <a:rPr lang="en-GB" dirty="0" smtClean="0"/>
-              <a:t> </a:t>
-            </a:r>
-            <a:r>
-              <a:rPr lang="en-GB" dirty="0" err="1" smtClean="0"/>
-              <a:t>số</a:t>
+              <a:t>Thể</a:t>
+            </a:r>
+            <a:r>
+              <a:rPr lang="en-GB" dirty="0" smtClean="0"/>
+              <a:t> </a:t>
+            </a:r>
+            <a:r>
+              <a:rPr lang="en-GB" dirty="0" err="1" smtClean="0"/>
+              <a:t>hiện</a:t>
+            </a:r>
+            <a:r>
+              <a:rPr lang="en-GB" dirty="0" smtClean="0"/>
+              <a:t> </a:t>
+            </a:r>
+            <a:r>
+              <a:rPr lang="en-GB" dirty="0" err="1" smtClean="0"/>
+              <a:t>sự</a:t>
+            </a:r>
+            <a:r>
+              <a:rPr lang="en-GB" dirty="0" smtClean="0"/>
+              <a:t> </a:t>
+            </a:r>
+            <a:r>
+              <a:rPr lang="en-GB" dirty="0" err="1" smtClean="0"/>
+              <a:t>thành</a:t>
+            </a:r>
+            <a:r>
+              <a:rPr lang="en-GB" dirty="0" smtClean="0"/>
+              <a:t> </a:t>
+            </a:r>
+            <a:r>
+              <a:rPr lang="en-GB" dirty="0" err="1" smtClean="0"/>
+              <a:t>công</a:t>
+            </a:r>
+            <a:r>
+              <a:rPr lang="en-GB" dirty="0" smtClean="0"/>
+              <a:t> </a:t>
+            </a:r>
+            <a:r>
+              <a:rPr lang="en-GB" dirty="0" err="1" smtClean="0"/>
+              <a:t>của</a:t>
+            </a:r>
+            <a:r>
+              <a:rPr lang="en-GB" dirty="0" smtClean="0"/>
+              <a:t> request</a:t>
             </a:r>
             <a:endParaRPr lang="en-GB" dirty="0" smtClean="0"/>
           </a:p>
@@ -3959,7 +3986,7 @@
             </a:r>
             <a:r>
               <a:rPr lang="en-GB" dirty="0" smtClean="0"/>
-              <a:t> </a:t>
+              <a:t> JS </a:t>
             </a:r>
             <a:r>
               <a:rPr lang="en-GB" dirty="0" err="1" smtClean="0"/>
@@ -3967,7 +3994,11 @@
             </a:r>
             <a:r>
               <a:rPr lang="en-GB" dirty="0" smtClean="0"/>
-              <a:t> JSON</a:t>
+              <a:t> </a:t>
+            </a:r>
+            <a:r>
+              <a:rPr lang="en-GB" dirty="0" smtClean="0"/>
+              <a:t>JSON</a:t>
             </a:r>
             <a:endParaRPr lang="en-GB" dirty="0"/>
           </a:p>
@@ -4525,44 +4556,6 @@
       </p:grpSpPr>
       <p:sp>
         <p:nvSpPr>
-          <p:cNvPr id="2" name="Title 1"/>
-          <p:cNvSpPr>
-            <a:spLocks noGrp="1"/>
-          </p:cNvSpPr>
-          <p:nvPr>
-            <p:ph type="title"/>
-          </p:nvPr>
-        </p:nvSpPr>
-        <p:spPr/>
-        <p:txBody>
-          <a:bodyPr/>
-          <a:lstStyle/>
-          <a:p>
-            <a:endParaRPr lang="en-GB" dirty="0"/>
-          </a:p>
-        </p:txBody>
-      </p:sp>
-      <p:sp>
-        <p:nvSpPr>
-          <p:cNvPr id="3" name="Content Placeholder 2"/>
-          <p:cNvSpPr>
-            <a:spLocks noGrp="1"/>
-          </p:cNvSpPr>
-          <p:nvPr>
-            <p:ph idx="1"/>
-          </p:nvPr>
-        </p:nvSpPr>
-        <p:spPr/>
-        <p:txBody>
-          <a:bodyPr/>
-          <a:lstStyle/>
-          <a:p>
-            <a:endParaRPr lang="en-GB" dirty="0"/>
-          </a:p>
-        </p:txBody>
-      </p:sp>
-      <p:sp>
-        <p:nvSpPr>
           <p:cNvPr id="4" name="AutoShape 2" descr="Image result for thank you"/>
           <p:cNvSpPr>
             <a:spLocks noChangeAspect="1" noChangeArrowheads="1"/>
@@ -4876,6 +4869,13 @@
   <p:clrMapOvr>
     <a:masterClrMapping/>
   </p:clrMapOvr>
+  <p:timing>
+    <p:tnLst>
+      <p:par>
+        <p:cTn id="1" dur="indefinite" restart="never" nodeType="tmRoot"/>
+      </p:par>
+    </p:tnLst>
+  </p:timing>
 </p:sld>
 </file>
 
@@ -5222,6 +5222,13 @@
   <p:clrMapOvr>
     <a:masterClrMapping/>
   </p:clrMapOvr>
+  <p:timing>
+    <p:tnLst>
+      <p:par>
+        <p:cTn id="1" dur="indefinite" restart="never" nodeType="tmRoot"/>
+      </p:par>
+    </p:tnLst>
+  </p:timing>
 </p:sld>
 </file>
 
@@ -5348,7 +5355,23 @@
             </a:r>
             <a:r>
               <a:rPr lang="en-US" dirty="0" err="1" smtClean="0"/>
-              <a:t>liêuk</a:t>
+              <a:t>liệu</a:t>
+            </a:r>
+            <a:r>
+              <a:rPr lang="en-US" dirty="0" smtClean="0"/>
+              <a:t> </a:t>
+            </a:r>
+            <a:r>
+              <a:rPr lang="en-US" dirty="0" err="1" smtClean="0"/>
+              <a:t>làm</a:t>
+            </a:r>
+            <a:r>
+              <a:rPr lang="en-US" dirty="0" smtClean="0"/>
+              <a:t> </a:t>
+            </a:r>
+            <a:r>
+              <a:rPr lang="en-US" dirty="0" err="1" smtClean="0"/>
+              <a:t>việc</a:t>
             </a:r>
             <a:endParaRPr lang="en-US" dirty="0" smtClean="0"/>
           </a:p>
@@ -5365,6 +5388,7 @@
               <a:rPr lang="en-US" dirty="0" smtClean="0"/>
               <a:t>XML</a:t>
             </a:r>
+            <a:endParaRPr lang="en-US" dirty="0" smtClean="0"/>
           </a:p>
           <a:p>
             <a:pPr lvl="1"/>
@@ -5433,6 +5457,13 @@
   <p:clrMapOvr>
     <a:masterClrMapping/>
   </p:clrMapOvr>
+  <p:timing>
+    <p:tnLst>
+      <p:par>
+        <p:cTn id="1" dur="indefinite" restart="never" nodeType="tmRoot"/>
+      </p:par>
+    </p:tnLst>
+  </p:timing>
 </p:sld>
 </file>
 
@@ -5662,7 +5693,11 @@
             </a:r>
             <a:r>
               <a:rPr lang="en-GB" dirty="0" err="1" smtClean="0"/>
-              <a:t>sử</a:t>
+              <a:t>s</a:t>
+            </a:r>
+            <a:r>
+              <a:rPr lang="en-GB" dirty="0" err="1" smtClean="0"/>
+              <a:t>ự</a:t>
             </a:r>
             <a:r>
               <a:rPr lang="en-GB" dirty="0" smtClean="0"/>
@@ -5834,6 +5869,13 @@
   <p:clrMapOvr>
     <a:masterClrMapping/>
   </p:clrMapOvr>
+  <p:timing>
+    <p:tnLst>
+      <p:par>
+        <p:cTn id="1" dur="indefinite" restart="never" nodeType="tmRoot"/>
+      </p:par>
+    </p:tnLst>
+  </p:timing>
 </p:sld>
 </file>
 
@@ -6069,6 +6111,13 @@
   <p:clrMapOvr>
     <a:masterClrMapping/>
   </p:clrMapOvr>
+  <p:timing>
+    <p:tnLst>
+      <p:par>
+        <p:cTn id="1" dur="indefinite" restart="never" nodeType="tmRoot"/>
+      </p:par>
+    </p:tnLst>
+  </p:timing>
 </p:sld>
 </file>
 
